--- a/PaintingBeings/Présentation Painting Being.pptx
+++ b/PaintingBeings/Présentation Painting Being.pptx
@@ -336,7 +336,7 @@
             <a:fld id="{AA309A6D-C09C-4548-B29A-6CF363A7E532}" type="datetimeFigureOut">
               <a:rPr lang="fr-FR" smtClean="0"/>
               <a:pPr/>
-              <a:t>06/07/2015</a:t>
+              <a:t>07/07/2015</a:t>
             </a:fld>
             <a:endParaRPr lang="fr-BE"/>
           </a:p>
@@ -525,7 +525,7 @@
             <a:fld id="{AA309A6D-C09C-4548-B29A-6CF363A7E532}" type="datetimeFigureOut">
               <a:rPr lang="fr-FR" smtClean="0"/>
               <a:pPr/>
-              <a:t>06/07/2015</a:t>
+              <a:t>07/07/2015</a:t>
             </a:fld>
             <a:endParaRPr lang="fr-BE"/>
           </a:p>
@@ -702,7 +702,7 @@
             <a:fld id="{AA309A6D-C09C-4548-B29A-6CF363A7E532}" type="datetimeFigureOut">
               <a:rPr lang="fr-FR" smtClean="0"/>
               <a:pPr/>
-              <a:t>06/07/2015</a:t>
+              <a:t>07/07/2015</a:t>
             </a:fld>
             <a:endParaRPr lang="fr-BE"/>
           </a:p>
@@ -884,7 +884,7 @@
             <a:fld id="{AA309A6D-C09C-4548-B29A-6CF363A7E532}" type="datetimeFigureOut">
               <a:rPr lang="fr-FR" smtClean="0"/>
               <a:pPr/>
-              <a:t>06/07/2015</a:t>
+              <a:t>07/07/2015</a:t>
             </a:fld>
             <a:endParaRPr lang="fr-BE"/>
           </a:p>
@@ -1133,7 +1133,7 @@
             <a:fld id="{AA309A6D-C09C-4548-B29A-6CF363A7E532}" type="datetimeFigureOut">
               <a:rPr lang="fr-FR" smtClean="0"/>
               <a:pPr/>
-              <a:t>06/07/2015</a:t>
+              <a:t>07/07/2015</a:t>
             </a:fld>
             <a:endParaRPr lang="fr-BE"/>
           </a:p>
@@ -1609,7 +1609,7 @@
             <a:fld id="{AA309A6D-C09C-4548-B29A-6CF363A7E532}" type="datetimeFigureOut">
               <a:rPr lang="fr-FR" smtClean="0"/>
               <a:pPr/>
-              <a:t>06/07/2015</a:t>
+              <a:t>07/07/2015</a:t>
             </a:fld>
             <a:endParaRPr lang="fr-BE"/>
           </a:p>
@@ -2026,7 +2026,7 @@
             <a:fld id="{AA309A6D-C09C-4548-B29A-6CF363A7E532}" type="datetimeFigureOut">
               <a:rPr lang="fr-FR" smtClean="0"/>
               <a:pPr/>
-              <a:t>06/07/2015</a:t>
+              <a:t>07/07/2015</a:t>
             </a:fld>
             <a:endParaRPr lang="fr-BE"/>
           </a:p>
@@ -2159,7 +2159,7 @@
             <a:fld id="{AA309A6D-C09C-4548-B29A-6CF363A7E532}" type="datetimeFigureOut">
               <a:rPr lang="fr-FR" smtClean="0"/>
               <a:pPr/>
-              <a:t>06/07/2015</a:t>
+              <a:t>07/07/2015</a:t>
             </a:fld>
             <a:endParaRPr lang="fr-BE"/>
           </a:p>
@@ -2256,7 +2256,7 @@
             <a:fld id="{AA309A6D-C09C-4548-B29A-6CF363A7E532}" type="datetimeFigureOut">
               <a:rPr lang="fr-FR" smtClean="0"/>
               <a:pPr/>
-              <a:t>06/07/2015</a:t>
+              <a:t>07/07/2015</a:t>
             </a:fld>
             <a:endParaRPr lang="fr-BE"/>
           </a:p>
@@ -2536,7 +2536,7 @@
             <a:fld id="{AA309A6D-C09C-4548-B29A-6CF363A7E532}" type="datetimeFigureOut">
               <a:rPr lang="fr-FR" smtClean="0"/>
               <a:pPr/>
-              <a:t>06/07/2015</a:t>
+              <a:t>07/07/2015</a:t>
             </a:fld>
             <a:endParaRPr lang="fr-BE"/>
           </a:p>
@@ -2790,7 +2790,7 @@
             <a:fld id="{AA309A6D-C09C-4548-B29A-6CF363A7E532}" type="datetimeFigureOut">
               <a:rPr lang="fr-FR" smtClean="0"/>
               <a:pPr/>
-              <a:t>06/07/2015</a:t>
+              <a:t>07/07/2015</a:t>
             </a:fld>
             <a:endParaRPr lang="fr-BE"/>
           </a:p>
@@ -3164,7 +3164,7 @@
             <a:fld id="{AA309A6D-C09C-4548-B29A-6CF363A7E532}" type="datetimeFigureOut">
               <a:rPr lang="fr-FR" smtClean="0"/>
               <a:pPr/>
-              <a:t>06/07/2015</a:t>
+              <a:t>07/07/2015</a:t>
             </a:fld>
             <a:endParaRPr lang="fr-BE"/>
           </a:p>
@@ -3729,7 +3729,6 @@
               <a:rPr lang="fr-FR" dirty="0" smtClean="0"/>
               <a:t>	</a:t>
             </a:r>
-            <a:endParaRPr lang="fr-FR" dirty="0" smtClean="0"/>
           </a:p>
         </p:txBody>
       </p:sp>
@@ -4481,8 +4480,23 @@
           <a:p>
             <a:r>
               <a:rPr lang="fr-FR" dirty="0" smtClean="0"/>
-              <a:t>Version 0.8.6</a:t>
-            </a:r>
+              <a:t>Version </a:t>
+            </a:r>
+            <a:r>
+              <a:rPr lang="fr-FR" dirty="0" smtClean="0"/>
+              <a:t>0.8.6</a:t>
+            </a:r>
+          </a:p>
+          <a:p>
+            <a:r>
+              <a:rPr lang="fr-FR" dirty="0" err="1" smtClean="0"/>
+              <a:t>Simplified</a:t>
+            </a:r>
+            <a:r>
+              <a:rPr lang="fr-FR" dirty="0" smtClean="0"/>
+              <a:t> BSD License</a:t>
+            </a:r>
+            <a:endParaRPr lang="fr-FR" dirty="0" smtClean="0"/>
           </a:p>
           <a:p>
             <a:endParaRPr lang="fr-FR" dirty="0" smtClean="0"/>
@@ -4505,8 +4519,8 @@
         </p:blipFill>
         <p:spPr>
           <a:xfrm>
-            <a:off x="1403648" y="4149080"/>
-            <a:ext cx="6912768" cy="2171318"/>
+            <a:off x="3347864" y="5013176"/>
+            <a:ext cx="5256584" cy="1379230"/>
           </a:xfrm>
           <a:prstGeom prst="rect">
             <a:avLst/>
